--- a/Presentasi 2.pptx
+++ b/Presentasi 2.pptx
@@ -53,7 +53,12 @@
     <p:sldId id="301" r:id="rId47"/>
     <p:sldId id="303" r:id="rId48"/>
     <p:sldId id="305" r:id="rId49"/>
-    <p:sldId id="306" r:id="rId50"/>
+    <p:sldId id="307" r:id="rId50"/>
+    <p:sldId id="308" r:id="rId51"/>
+    <p:sldId id="309" r:id="rId52"/>
+    <p:sldId id="310" r:id="rId53"/>
+    <p:sldId id="311" r:id="rId54"/>
+    <p:sldId id="306" r:id="rId55"/>
   </p:sldIdLst>
   <p:sldSz cx="12192000" cy="6858000"/>
   <p:notesSz cx="6858000" cy="9144000"/>
@@ -225,6 +230,19 @@
             <p14:sldId id="301"/>
             <p14:sldId id="303"/>
             <p14:sldId id="305"/>
+          </p14:sldIdLst>
+        </p14:section>
+        <p14:section name="Custom View" id="{BBF520E2-F2D8-45AD-BDFC-2AEA14E92B4A}">
+          <p14:sldIdLst>
+            <p14:sldId id="307"/>
+            <p14:sldId id="308"/>
+            <p14:sldId id="309"/>
+            <p14:sldId id="310"/>
+            <p14:sldId id="311"/>
+          </p14:sldIdLst>
+        </p14:section>
+        <p14:section name="Terimakasih" id="{5B1185FB-2334-443E-8022-BA60B4242ACA}">
+          <p14:sldIdLst>
             <p14:sldId id="306"/>
           </p14:sldIdLst>
         </p14:section>
@@ -511,7 +529,7 @@
           <a:p>
             <a:fld id="{78ABE3C1-DBE1-495D-B57B-2849774B866A}" type="datetimeFigureOut">
               <a:rPr lang="en-US" dirty="0"/>
-              <a:t>10/14/2019</a:t>
+              <a:t>10/19/2019</a:t>
             </a:fld>
             <a:endParaRPr lang="en-US" dirty="0"/>
           </a:p>
@@ -920,7 +938,7 @@
           <a:p>
             <a:fld id="{446C117F-5CCF-4837-BE5F-2B92066CAFAF}" type="datetimeFigureOut">
               <a:rPr lang="en-US" dirty="0"/>
-              <a:t>10/14/2019</a:t>
+              <a:t>10/19/2019</a:t>
             </a:fld>
             <a:endParaRPr lang="en-US" dirty="0"/>
           </a:p>
@@ -1251,7 +1269,7 @@
           <a:p>
             <a:fld id="{84EB90BD-B6CE-46B7-997F-7313B992CCDC}" type="datetimeFigureOut">
               <a:rPr lang="en-US" dirty="0"/>
-              <a:t>10/14/2019</a:t>
+              <a:t>10/19/2019</a:t>
             </a:fld>
             <a:endParaRPr lang="en-US" dirty="0"/>
           </a:p>
@@ -1651,7 +1669,7 @@
           <a:p>
             <a:fld id="{CDB9D11F-B188-461D-B23F-39381795C052}" type="datetimeFigureOut">
               <a:rPr lang="en-US" dirty="0"/>
-              <a:t>10/14/2019</a:t>
+              <a:t>10/19/2019</a:t>
             </a:fld>
             <a:endParaRPr lang="en-US" dirty="0"/>
           </a:p>
@@ -2214,7 +2232,7 @@
           <a:p>
             <a:fld id="{52E6D8D9-55A2-4063-B0F3-121F44549695}" type="datetimeFigureOut">
               <a:rPr lang="en-US" dirty="0"/>
-              <a:t>10/14/2019</a:t>
+              <a:t>10/19/2019</a:t>
             </a:fld>
             <a:endParaRPr lang="en-US" dirty="0"/>
           </a:p>
@@ -2890,7 +2908,7 @@
           <a:p>
             <a:fld id="{D4B24536-994D-4021-A283-9F449C0DB509}" type="datetimeFigureOut">
               <a:rPr lang="en-US" dirty="0"/>
-              <a:t>10/14/2019</a:t>
+              <a:t>10/19/2019</a:t>
             </a:fld>
             <a:endParaRPr lang="en-US" dirty="0"/>
           </a:p>
@@ -3798,7 +3816,7 @@
           <a:p>
             <a:fld id="{3CBBBB78-C96F-47B7-AB17-D852CA960AC9}" type="datetimeFigureOut">
               <a:rPr lang="en-US" dirty="0"/>
-              <a:t>10/14/2019</a:t>
+              <a:t>10/19/2019</a:t>
             </a:fld>
             <a:endParaRPr lang="en-US" dirty="0"/>
           </a:p>
@@ -4106,7 +4124,7 @@
           <a:p>
             <a:fld id="{1FA3F48C-C7C6-4055-9F49-3777875E72AE}" type="datetimeFigureOut">
               <a:rPr lang="en-US" dirty="0"/>
-              <a:t>10/14/2019</a:t>
+              <a:t>10/19/2019</a:t>
             </a:fld>
             <a:endParaRPr lang="en-US" dirty="0"/>
           </a:p>
@@ -4365,7 +4383,7 @@
           <a:p>
             <a:fld id="{6178E61D-D431-422C-9764-11DAFE33AB63}" type="datetimeFigureOut">
               <a:rPr lang="en-US" dirty="0"/>
-              <a:t>10/14/2019</a:t>
+              <a:t>10/19/2019</a:t>
             </a:fld>
             <a:endParaRPr lang="en-US" dirty="0"/>
           </a:p>
@@ -4684,7 +4702,7 @@
           <a:p>
             <a:fld id="{12DE42F4-6EEF-4EF7-8ED4-2208F0F89A08}" type="datetimeFigureOut">
               <a:rPr lang="en-US" dirty="0"/>
-              <a:t>10/14/2019</a:t>
+              <a:t>10/19/2019</a:t>
             </a:fld>
             <a:endParaRPr lang="en-US" dirty="0"/>
           </a:p>
@@ -5068,7 +5086,7 @@
           <a:p>
             <a:fld id="{30578ACC-22D6-47C1-A373-4FD133E34F3C}" type="datetimeFigureOut">
               <a:rPr lang="en-US" dirty="0"/>
-              <a:t>10/14/2019</a:t>
+              <a:t>10/19/2019</a:t>
             </a:fld>
             <a:endParaRPr lang="en-US" dirty="0"/>
           </a:p>
@@ -5439,7 +5457,7 @@
           <a:p>
             <a:fld id="{4E5A6C69-6797-4E8A-BF37-F2C3751466E9}" type="datetimeFigureOut">
               <a:rPr lang="en-US" dirty="0"/>
-              <a:t>10/14/2019</a:t>
+              <a:t>10/19/2019</a:t>
             </a:fld>
             <a:endParaRPr lang="en-US" dirty="0"/>
           </a:p>
@@ -5940,7 +5958,7 @@
           <a:p>
             <a:fld id="{D82014A1-A632-4878-A0D3-F52BA7563730}" type="datetimeFigureOut">
               <a:rPr lang="en-US" dirty="0"/>
-              <a:t>10/14/2019</a:t>
+              <a:t>10/19/2019</a:t>
             </a:fld>
             <a:endParaRPr lang="en-US" dirty="0"/>
           </a:p>
@@ -6192,7 +6210,7 @@
           <a:p>
             <a:fld id="{CE99F462-093F-4566-844B-4C71F2739DA5}" type="datetimeFigureOut">
               <a:rPr lang="en-US" dirty="0"/>
-              <a:t>10/14/2019</a:t>
+              <a:t>10/19/2019</a:t>
             </a:fld>
             <a:endParaRPr lang="en-US" dirty="0"/>
           </a:p>
@@ -6350,7 +6368,7 @@
           <a:p>
             <a:fld id="{3D24A7AC-904D-4781-85BA-7D10C17ED021}" type="datetimeFigureOut">
               <a:rPr lang="en-US" dirty="0"/>
-              <a:t>10/14/2019</a:t>
+              <a:t>10/19/2019</a:t>
             </a:fld>
             <a:endParaRPr lang="en-US" dirty="0"/>
           </a:p>
@@ -6735,7 +6753,7 @@
           <a:p>
             <a:fld id="{E331444B-B92B-4E27-8C94-BB93EAF5CB18}" type="datetimeFigureOut">
               <a:rPr lang="en-US" dirty="0"/>
-              <a:t>10/14/2019</a:t>
+              <a:t>10/19/2019</a:t>
             </a:fld>
             <a:endParaRPr lang="en-US" dirty="0"/>
           </a:p>
@@ -7139,7 +7157,7 @@
           <a:p>
             <a:fld id="{363EFA5E-FA76-400D-B3DC-F0BA90E6D107}" type="datetimeFigureOut">
               <a:rPr lang="en-US" dirty="0"/>
-              <a:t>10/14/2019</a:t>
+              <a:t>10/19/2019</a:t>
             </a:fld>
             <a:endParaRPr lang="en-US" dirty="0"/>
           </a:p>
@@ -7378,7 +7396,7 @@
           <a:p>
             <a:fld id="{9D6E9DEC-419B-4CC5-A080-3B06BD5A8291}" type="datetimeFigureOut">
               <a:rPr lang="en-US" dirty="0"/>
-              <a:t>10/14/2019</a:t>
+              <a:t>10/19/2019</a:t>
             </a:fld>
             <a:endParaRPr lang="en-US" dirty="0"/>
           </a:p>
@@ -7801,6 +7819,14 @@
           <a:bodyPr/>
           <a:lstStyle/>
           <a:p>
+            <a:r>
+              <a:rPr lang="en-US" smtClean="0"/>
+              <a:t>Sql Server &amp; </a:t>
+            </a:r>
+            <a:r>
+              <a:rPr lang="en-US" smtClean="0"/>
+              <a:t>DataBound</a:t>
+            </a:r>
             <a:endParaRPr lang="id-ID"/>
           </a:p>
         </p:txBody>
@@ -9272,26 +9298,79 @@
           <a:p>
             <a:r>
               <a:rPr lang="en-US" smtClean="0"/>
-              <a:t>Instalasi SQL Server Express</a:t>
-            </a:r>
-          </a:p>
-          <a:p>
+              <a:t>Sql Server</a:t>
+            </a:r>
+          </a:p>
+          <a:p>
+            <a:pPr lvl="1"/>
+            <a:r>
+              <a:rPr lang="en-US" smtClean="0"/>
+              <a:t>Instalasi </a:t>
+            </a:r>
+            <a:r>
+              <a:rPr lang="en-US" smtClean="0"/>
+              <a:t>SQL Server Express</a:t>
+            </a:r>
+          </a:p>
+          <a:p>
+            <a:pPr lvl="1"/>
             <a:r>
               <a:rPr lang="en-US" smtClean="0"/>
               <a:t>Instalasi Sql Server Management Studio</a:t>
             </a:r>
           </a:p>
           <a:p>
+            <a:pPr lvl="1"/>
             <a:r>
               <a:rPr lang="en-US" smtClean="0"/>
               <a:t>Import Export database</a:t>
             </a:r>
           </a:p>
           <a:p>
-            <a:r>
-              <a:rPr lang="en-US" smtClean="0"/>
-              <a:t>Store Procedure</a:t>
-            </a:r>
+            <a:pPr lvl="1"/>
+            <a:r>
+              <a:rPr lang="en-US" smtClean="0"/>
+              <a:t>Store </a:t>
+            </a:r>
+            <a:r>
+              <a:rPr lang="en-US" smtClean="0"/>
+              <a:t>Procedure</a:t>
+            </a:r>
+          </a:p>
+          <a:p>
+            <a:r>
+              <a:rPr lang="en-US" smtClean="0"/>
+              <a:t>Data Bound</a:t>
+            </a:r>
+          </a:p>
+          <a:p>
+            <a:pPr lvl="1"/>
+            <a:r>
+              <a:rPr lang="en-US" smtClean="0"/>
+              <a:t>Kontrol value</a:t>
+            </a:r>
+          </a:p>
+          <a:p>
+            <a:pPr lvl="1"/>
+            <a:r>
+              <a:rPr lang="en-US" smtClean="0"/>
+              <a:t>Grid value</a:t>
+            </a:r>
+          </a:p>
+          <a:p>
+            <a:pPr lvl="1"/>
+            <a:r>
+              <a:rPr lang="en-US" smtClean="0"/>
+              <a:t>Grid Field Control</a:t>
+            </a:r>
+          </a:p>
+          <a:p>
+            <a:pPr lvl="1"/>
+            <a:r>
+              <a:rPr lang="en-US" smtClean="0"/>
+              <a:t>Custom View</a:t>
+            </a:r>
+            <a:endParaRPr lang="en-US" smtClean="0"/>
           </a:p>
         </p:txBody>
       </p:sp>
@@ -12873,11 +12952,7 @@
             </a:pPr>
             <a:r>
               <a:rPr lang="id-ID" sz="1600"/>
-              <a:t>CREATE TABLE [dbo].[tr_unit2</a:t>
-            </a:r>
-            <a:r>
-              <a:rPr lang="id-ID" sz="1600"/>
-              <a:t>] </a:t>
+              <a:t>CREATE TABLE [dbo].[tr_unit2] </a:t>
             </a:r>
             <a:r>
               <a:rPr lang="id-ID" sz="1600" smtClean="0"/>
@@ -12896,11 +12971,7 @@
             </a:r>
             <a:r>
               <a:rPr lang="en-US" sz="1600"/>
-              <a:t>[unit_id]    VARCHAR (3)  NOT </a:t>
-            </a:r>
-            <a:r>
-              <a:rPr lang="en-US" sz="1600"/>
-              <a:t>NULL</a:t>
+              <a:t>[unit_id]    VARCHAR (3)  NOT NULL</a:t>
             </a:r>
             <a:r>
               <a:rPr lang="en-US" sz="1600" smtClean="0"/>
@@ -12915,11 +12986,7 @@
             </a:r>
             <a:r>
               <a:rPr lang="en-US" sz="1600"/>
-              <a:t>[unit_name]  VARCHAR (50) NOT </a:t>
-            </a:r>
-            <a:r>
-              <a:rPr lang="en-US" sz="1600"/>
-              <a:t>NULL</a:t>
+              <a:t>[unit_name]  VARCHAR (50) NOT NULL</a:t>
             </a:r>
             <a:r>
               <a:rPr lang="en-US" sz="1600" smtClean="0"/>
@@ -12934,11 +13001,7 @@
             </a:r>
             <a:r>
               <a:rPr lang="id-ID" sz="1600"/>
-              <a:t>[flag_aktif] BIT          NOT </a:t>
-            </a:r>
-            <a:r>
-              <a:rPr lang="id-ID" sz="1600"/>
-              <a:t>NULL</a:t>
+              <a:t>[flag_aktif] BIT          NOT NULL</a:t>
             </a:r>
             <a:r>
               <a:rPr lang="id-ID" sz="1600" smtClean="0"/>
@@ -12957,11 +13020,7 @@
             </a:r>
             <a:r>
               <a:rPr lang="id-ID" sz="1600"/>
-              <a:t>[posisi]     INT          DEFAULT ((1)) NOT </a:t>
-            </a:r>
-            <a:r>
-              <a:rPr lang="id-ID" sz="1600"/>
-              <a:t>NULL</a:t>
+              <a:t>[posisi]     INT          DEFAULT ((1)) NOT NULL</a:t>
             </a:r>
             <a:r>
               <a:rPr lang="id-ID" sz="1600" smtClean="0"/>
@@ -12980,11 +13039,7 @@
             </a:r>
             <a:r>
               <a:rPr lang="en-US" sz="1600"/>
-              <a:t>CONSTRAINT [PK_tr_unit2] PRIMARY KEY CLUSTERED ([unit_id] </a:t>
-            </a:r>
-            <a:r>
-              <a:rPr lang="en-US" sz="1600"/>
-              <a:t>ASC</a:t>
+              <a:t>CONSTRAINT [PK_tr_unit2] PRIMARY KEY CLUSTERED ([unit_id] ASC</a:t>
             </a:r>
             <a:r>
               <a:rPr lang="en-US" sz="1600" smtClean="0"/>
@@ -13466,7 +13521,7 @@
       </p:grpSpPr>
       <p:sp>
         <p:nvSpPr>
-          <p:cNvPr id="2" name="Title 1"/>
+          <p:cNvPr id="4" name="Title 3"/>
           <p:cNvSpPr>
             <a:spLocks noGrp="1"/>
           </p:cNvSpPr>
@@ -13481,7 +13536,7 @@
           <a:p>
             <a:r>
               <a:rPr lang="en-US" smtClean="0"/>
-              <a:t>Terimakasih</a:t>
+              <a:t>Custome View</a:t>
             </a:r>
             <a:endParaRPr lang="id-ID"/>
           </a:p>
@@ -13489,12 +13544,12 @@
       </p:sp>
       <p:sp>
         <p:nvSpPr>
-          <p:cNvPr id="3" name="Text Placeholder 2"/>
-          <p:cNvSpPr>
-            <a:spLocks noGrp="1"/>
-          </p:cNvSpPr>
-          <p:nvPr>
-            <p:ph type="body" sz="half" idx="2"/>
+          <p:cNvPr id="5" name="Text Placeholder 4"/>
+          <p:cNvSpPr>
+            <a:spLocks noGrp="1"/>
+          </p:cNvSpPr>
+          <p:nvPr>
+            <p:ph type="body" idx="1"/>
           </p:nvPr>
         </p:nvSpPr>
         <p:spPr/>
@@ -13502,16 +13557,6 @@
           <a:bodyPr/>
           <a:lstStyle/>
           <a:p>
-            <a:r>
-              <a:rPr lang="en-US" smtClean="0"/>
-              <a:t>VisualStudio terintegrasi dengan SQL Server</a:t>
-            </a:r>
-          </a:p>
-          <a:p>
-            <a:r>
-              <a:rPr lang="en-US" smtClean="0"/>
-              <a:t>Kontrol GridView bias fleksibel</a:t>
-            </a:r>
             <a:endParaRPr lang="id-ID"/>
           </a:p>
         </p:txBody>
@@ -13519,7 +13564,7 @@
     </p:spTree>
     <p:extLst>
       <p:ext uri="{BB962C8B-B14F-4D97-AF65-F5344CB8AC3E}">
-        <p14:creationId xmlns:p14="http://schemas.microsoft.com/office/powerpoint/2010/main" val="1854323584"/>
+        <p14:creationId xmlns:p14="http://schemas.microsoft.com/office/powerpoint/2010/main" val="1554052586"/>
       </p:ext>
     </p:extLst>
   </p:cSld>
@@ -13574,6 +13619,404 @@
     <p:extLst>
       <p:ext uri="{BB962C8B-B14F-4D97-AF65-F5344CB8AC3E}">
         <p14:creationId xmlns:p14="http://schemas.microsoft.com/office/powerpoint/2010/main" val="793587735"/>
+      </p:ext>
+    </p:extLst>
+  </p:cSld>
+  <p:clrMapOvr>
+    <a:masterClrMapping/>
+  </p:clrMapOvr>
+</p:sld>
+</file>
+
+<file path=ppt/slides/slide50.xml><?xml version="1.0" encoding="utf-8"?>
+<p:sld xmlns:a="http://schemas.openxmlformats.org/drawingml/2006/main" xmlns:r="http://schemas.openxmlformats.org/officeDocument/2006/relationships" xmlns:p="http://schemas.openxmlformats.org/presentationml/2006/main">
+  <p:cSld>
+    <p:spTree>
+      <p:nvGrpSpPr>
+        <p:cNvPr id="1" name=""/>
+        <p:cNvGrpSpPr/>
+        <p:nvPr/>
+      </p:nvGrpSpPr>
+      <p:grpSpPr>
+        <a:xfrm>
+          <a:off x="0" y="0"/>
+          <a:ext cx="0" cy="0"/>
+          <a:chOff x="0" y="0"/>
+          <a:chExt cx="0" cy="0"/>
+        </a:xfrm>
+      </p:grpSpPr>
+      <p:sp>
+        <p:nvSpPr>
+          <p:cNvPr id="4" name="Title 3"/>
+          <p:cNvSpPr>
+            <a:spLocks noGrp="1"/>
+          </p:cNvSpPr>
+          <p:nvPr>
+            <p:ph type="title"/>
+          </p:nvPr>
+        </p:nvSpPr>
+        <p:spPr/>
+        <p:txBody>
+          <a:bodyPr/>
+          <a:lstStyle/>
+          <a:p>
+            <a:r>
+              <a:rPr lang="en-US" smtClean="0"/>
+              <a:t>Data Grid</a:t>
+            </a:r>
+            <a:endParaRPr lang="id-ID"/>
+          </a:p>
+        </p:txBody>
+      </p:sp>
+      <p:pic>
+        <p:nvPicPr>
+          <p:cNvPr id="7" name="Content Placeholder 6"/>
+          <p:cNvPicPr>
+            <a:picLocks noGrp="1" noChangeAspect="1"/>
+          </p:cNvPicPr>
+          <p:nvPr>
+            <p:ph idx="1"/>
+          </p:nvPr>
+        </p:nvPicPr>
+        <p:blipFill>
+          <a:blip r:embed="rId2"/>
+          <a:stretch>
+            <a:fillRect/>
+          </a:stretch>
+        </p:blipFill>
+        <p:spPr>
+          <a:xfrm>
+            <a:off x="680321" y="2101669"/>
+            <a:ext cx="7823999" cy="4433959"/>
+          </a:xfrm>
+          <a:prstGeom prst="rect">
+            <a:avLst/>
+          </a:prstGeom>
+        </p:spPr>
+      </p:pic>
+    </p:spTree>
+    <p:extLst>
+      <p:ext uri="{BB962C8B-B14F-4D97-AF65-F5344CB8AC3E}">
+        <p14:creationId xmlns:p14="http://schemas.microsoft.com/office/powerpoint/2010/main" val="842378471"/>
+      </p:ext>
+    </p:extLst>
+  </p:cSld>
+  <p:clrMapOvr>
+    <a:masterClrMapping/>
+  </p:clrMapOvr>
+</p:sld>
+</file>
+
+<file path=ppt/slides/slide51.xml><?xml version="1.0" encoding="utf-8"?>
+<p:sld xmlns:a="http://schemas.openxmlformats.org/drawingml/2006/main" xmlns:r="http://schemas.openxmlformats.org/officeDocument/2006/relationships" xmlns:p="http://schemas.openxmlformats.org/presentationml/2006/main">
+  <p:cSld>
+    <p:spTree>
+      <p:nvGrpSpPr>
+        <p:cNvPr id="1" name=""/>
+        <p:cNvGrpSpPr/>
+        <p:nvPr/>
+      </p:nvGrpSpPr>
+      <p:grpSpPr>
+        <a:xfrm>
+          <a:off x="0" y="0"/>
+          <a:ext cx="0" cy="0"/>
+          <a:chOff x="0" y="0"/>
+          <a:chExt cx="0" cy="0"/>
+        </a:xfrm>
+      </p:grpSpPr>
+      <p:sp>
+        <p:nvSpPr>
+          <p:cNvPr id="2" name="Title 1"/>
+          <p:cNvSpPr>
+            <a:spLocks noGrp="1"/>
+          </p:cNvSpPr>
+          <p:nvPr>
+            <p:ph type="title"/>
+          </p:nvPr>
+        </p:nvSpPr>
+        <p:spPr/>
+        <p:txBody>
+          <a:bodyPr/>
+          <a:lstStyle/>
+          <a:p>
+            <a:r>
+              <a:rPr lang="en-US" smtClean="0"/>
+              <a:t>DetailsView</a:t>
+            </a:r>
+            <a:endParaRPr lang="id-ID"/>
+          </a:p>
+        </p:txBody>
+      </p:sp>
+      <p:pic>
+        <p:nvPicPr>
+          <p:cNvPr id="4" name="Content Placeholder 3"/>
+          <p:cNvPicPr>
+            <a:picLocks noGrp="1" noChangeAspect="1"/>
+          </p:cNvPicPr>
+          <p:nvPr>
+            <p:ph idx="1"/>
+          </p:nvPr>
+        </p:nvPicPr>
+        <p:blipFill>
+          <a:blip r:embed="rId2"/>
+          <a:stretch>
+            <a:fillRect/>
+          </a:stretch>
+        </p:blipFill>
+        <p:spPr>
+          <a:xfrm>
+            <a:off x="680321" y="2166984"/>
+            <a:ext cx="8045668" cy="4428381"/>
+          </a:xfrm>
+          <a:prstGeom prst="rect">
+            <a:avLst/>
+          </a:prstGeom>
+        </p:spPr>
+      </p:pic>
+    </p:spTree>
+    <p:extLst>
+      <p:ext uri="{BB962C8B-B14F-4D97-AF65-F5344CB8AC3E}">
+        <p14:creationId xmlns:p14="http://schemas.microsoft.com/office/powerpoint/2010/main" val="1302281561"/>
+      </p:ext>
+    </p:extLst>
+  </p:cSld>
+  <p:clrMapOvr>
+    <a:masterClrMapping/>
+  </p:clrMapOvr>
+</p:sld>
+</file>
+
+<file path=ppt/slides/slide52.xml><?xml version="1.0" encoding="utf-8"?>
+<p:sld xmlns:a="http://schemas.openxmlformats.org/drawingml/2006/main" xmlns:r="http://schemas.openxmlformats.org/officeDocument/2006/relationships" xmlns:p="http://schemas.openxmlformats.org/presentationml/2006/main">
+  <p:cSld>
+    <p:spTree>
+      <p:nvGrpSpPr>
+        <p:cNvPr id="1" name=""/>
+        <p:cNvGrpSpPr/>
+        <p:nvPr/>
+      </p:nvGrpSpPr>
+      <p:grpSpPr>
+        <a:xfrm>
+          <a:off x="0" y="0"/>
+          <a:ext cx="0" cy="0"/>
+          <a:chOff x="0" y="0"/>
+          <a:chExt cx="0" cy="0"/>
+        </a:xfrm>
+      </p:grpSpPr>
+      <p:sp>
+        <p:nvSpPr>
+          <p:cNvPr id="2" name="Title 1"/>
+          <p:cNvSpPr>
+            <a:spLocks noGrp="1"/>
+          </p:cNvSpPr>
+          <p:nvPr>
+            <p:ph type="title"/>
+          </p:nvPr>
+        </p:nvSpPr>
+        <p:spPr/>
+        <p:txBody>
+          <a:bodyPr/>
+          <a:lstStyle/>
+          <a:p>
+            <a:r>
+              <a:rPr lang="en-US" smtClean="0"/>
+              <a:t>ListView</a:t>
+            </a:r>
+            <a:endParaRPr lang="id-ID"/>
+          </a:p>
+        </p:txBody>
+      </p:sp>
+      <p:pic>
+        <p:nvPicPr>
+          <p:cNvPr id="4" name="Content Placeholder 3"/>
+          <p:cNvPicPr>
+            <a:picLocks noGrp="1" noChangeAspect="1"/>
+          </p:cNvPicPr>
+          <p:nvPr>
+            <p:ph idx="1"/>
+          </p:nvPr>
+        </p:nvPicPr>
+        <p:blipFill>
+          <a:blip r:embed="rId2"/>
+          <a:stretch>
+            <a:fillRect/>
+          </a:stretch>
+        </p:blipFill>
+        <p:spPr>
+          <a:xfrm>
+            <a:off x="680321" y="2010229"/>
+            <a:ext cx="8241610" cy="4627684"/>
+          </a:xfrm>
+          <a:prstGeom prst="rect">
+            <a:avLst/>
+          </a:prstGeom>
+        </p:spPr>
+      </p:pic>
+    </p:spTree>
+    <p:extLst>
+      <p:ext uri="{BB962C8B-B14F-4D97-AF65-F5344CB8AC3E}">
+        <p14:creationId xmlns:p14="http://schemas.microsoft.com/office/powerpoint/2010/main" val="162101540"/>
+      </p:ext>
+    </p:extLst>
+  </p:cSld>
+  <p:clrMapOvr>
+    <a:masterClrMapping/>
+  </p:clrMapOvr>
+</p:sld>
+</file>
+
+<file path=ppt/slides/slide53.xml><?xml version="1.0" encoding="utf-8"?>
+<p:sld xmlns:a="http://schemas.openxmlformats.org/drawingml/2006/main" xmlns:r="http://schemas.openxmlformats.org/officeDocument/2006/relationships" xmlns:p="http://schemas.openxmlformats.org/presentationml/2006/main">
+  <p:cSld>
+    <p:spTree>
+      <p:nvGrpSpPr>
+        <p:cNvPr id="1" name=""/>
+        <p:cNvGrpSpPr/>
+        <p:nvPr/>
+      </p:nvGrpSpPr>
+      <p:grpSpPr>
+        <a:xfrm>
+          <a:off x="0" y="0"/>
+          <a:ext cx="0" cy="0"/>
+          <a:chOff x="0" y="0"/>
+          <a:chExt cx="0" cy="0"/>
+        </a:xfrm>
+      </p:grpSpPr>
+      <p:sp>
+        <p:nvSpPr>
+          <p:cNvPr id="2" name="Title 1"/>
+          <p:cNvSpPr>
+            <a:spLocks noGrp="1"/>
+          </p:cNvSpPr>
+          <p:nvPr>
+            <p:ph type="title"/>
+          </p:nvPr>
+        </p:nvSpPr>
+        <p:spPr/>
+        <p:txBody>
+          <a:bodyPr/>
+          <a:lstStyle/>
+          <a:p>
+            <a:r>
+              <a:rPr lang="en-US" smtClean="0"/>
+              <a:t>Data List</a:t>
+            </a:r>
+            <a:endParaRPr lang="id-ID"/>
+          </a:p>
+        </p:txBody>
+      </p:sp>
+      <p:pic>
+        <p:nvPicPr>
+          <p:cNvPr id="4" name="Content Placeholder 3"/>
+          <p:cNvPicPr>
+            <a:picLocks noGrp="1" noChangeAspect="1"/>
+          </p:cNvPicPr>
+          <p:nvPr>
+            <p:ph idx="1"/>
+          </p:nvPr>
+        </p:nvPicPr>
+        <p:blipFill>
+          <a:blip r:embed="rId2"/>
+          <a:stretch>
+            <a:fillRect/>
+          </a:stretch>
+        </p:blipFill>
+        <p:spPr>
+          <a:xfrm>
+            <a:off x="680320" y="1997165"/>
+            <a:ext cx="8463680" cy="4751019"/>
+          </a:xfrm>
+          <a:prstGeom prst="rect">
+            <a:avLst/>
+          </a:prstGeom>
+        </p:spPr>
+      </p:pic>
+    </p:spTree>
+    <p:extLst>
+      <p:ext uri="{BB962C8B-B14F-4D97-AF65-F5344CB8AC3E}">
+        <p14:creationId xmlns:p14="http://schemas.microsoft.com/office/powerpoint/2010/main" val="3178384050"/>
+      </p:ext>
+    </p:extLst>
+  </p:cSld>
+  <p:clrMapOvr>
+    <a:masterClrMapping/>
+  </p:clrMapOvr>
+</p:sld>
+</file>
+
+<file path=ppt/slides/slide54.xml><?xml version="1.0" encoding="utf-8"?>
+<p:sld xmlns:a="http://schemas.openxmlformats.org/drawingml/2006/main" xmlns:r="http://schemas.openxmlformats.org/officeDocument/2006/relationships" xmlns:p="http://schemas.openxmlformats.org/presentationml/2006/main">
+  <p:cSld>
+    <p:spTree>
+      <p:nvGrpSpPr>
+        <p:cNvPr id="1" name=""/>
+        <p:cNvGrpSpPr/>
+        <p:nvPr/>
+      </p:nvGrpSpPr>
+      <p:grpSpPr>
+        <a:xfrm>
+          <a:off x="0" y="0"/>
+          <a:ext cx="0" cy="0"/>
+          <a:chOff x="0" y="0"/>
+          <a:chExt cx="0" cy="0"/>
+        </a:xfrm>
+      </p:grpSpPr>
+      <p:sp>
+        <p:nvSpPr>
+          <p:cNvPr id="2" name="Title 1"/>
+          <p:cNvSpPr>
+            <a:spLocks noGrp="1"/>
+          </p:cNvSpPr>
+          <p:nvPr>
+            <p:ph type="title"/>
+          </p:nvPr>
+        </p:nvSpPr>
+        <p:spPr/>
+        <p:txBody>
+          <a:bodyPr/>
+          <a:lstStyle/>
+          <a:p>
+            <a:r>
+              <a:rPr lang="en-US" smtClean="0"/>
+              <a:t>Terimakasih</a:t>
+            </a:r>
+            <a:endParaRPr lang="id-ID"/>
+          </a:p>
+        </p:txBody>
+      </p:sp>
+      <p:sp>
+        <p:nvSpPr>
+          <p:cNvPr id="3" name="Text Placeholder 2"/>
+          <p:cNvSpPr>
+            <a:spLocks noGrp="1"/>
+          </p:cNvSpPr>
+          <p:nvPr>
+            <p:ph type="body" sz="half" idx="2"/>
+          </p:nvPr>
+        </p:nvSpPr>
+        <p:spPr/>
+        <p:txBody>
+          <a:bodyPr/>
+          <a:lstStyle/>
+          <a:p>
+            <a:r>
+              <a:rPr lang="en-US" smtClean="0"/>
+              <a:t>VisualStudio terintegrasi dengan SQL Server</a:t>
+            </a:r>
+          </a:p>
+          <a:p>
+            <a:r>
+              <a:rPr lang="en-US" smtClean="0"/>
+              <a:t>Kontrol GridView bias fleksibel</a:t>
+            </a:r>
+            <a:endParaRPr lang="id-ID"/>
+          </a:p>
+        </p:txBody>
+      </p:sp>
+    </p:spTree>
+    <p:extLst>
+      <p:ext uri="{BB962C8B-B14F-4D97-AF65-F5344CB8AC3E}">
+        <p14:creationId xmlns:p14="http://schemas.microsoft.com/office/powerpoint/2010/main" val="1854323584"/>
       </p:ext>
     </p:extLst>
   </p:cSld>
